--- a/BitBucket & SourceTree.pptx
+++ b/BitBucket & SourceTree.pptx
@@ -2781,7 +2781,7 @@
         </p:nvSpPr>
         <p:spPr>
           <a:xfrm>
-            <a:off x="457200" y="1190520"/>
+            <a:off x="457200" y="273240"/>
             <a:ext cx="8228880" cy="1145160"/>
           </a:xfrm>
           <a:prstGeom prst="rect">
@@ -2818,7 +2818,7 @@
         <p:spPr>
           <a:xfrm>
             <a:off x="457200" y="1604520"/>
-            <a:ext cx="8229240" cy="3977280"/>
+            <a:ext cx="8228880" cy="3976920"/>
           </a:xfrm>
           <a:prstGeom prst="rect">
             <a:avLst/>
@@ -2841,12 +2841,12 @@
               <a:buChar char=""/>
             </a:pPr>
             <a:r>
-              <a:rPr b="0" lang="es-ES" sz="3200" spc="-1" strike="noStrike">
+              <a:rPr b="0" lang="es-ES" sz="1800" spc="-1" strike="noStrike">
                 <a:latin typeface="Arial"/>
               </a:rPr>
               <a:t>Pulse para editar el formato de esquema del texto</a:t>
             </a:r>
-            <a:endParaRPr b="0" lang="es-ES" sz="3200" spc="-1" strike="noStrike">
+            <a:endParaRPr b="0" lang="es-ES" sz="1800" spc="-1" strike="noStrike">
               <a:latin typeface="Arial"/>
             </a:endParaRPr>
           </a:p>
@@ -2863,12 +2863,12 @@
               <a:buChar char=""/>
             </a:pPr>
             <a:r>
-              <a:rPr b="0" lang="es-ES" sz="2800" spc="-1" strike="noStrike">
+              <a:rPr b="0" lang="es-ES" sz="1800" spc="-1" strike="noStrike">
                 <a:latin typeface="Arial"/>
               </a:rPr>
               <a:t>Segundo nivel del esquema</a:t>
             </a:r>
-            <a:endParaRPr b="0" lang="es-ES" sz="2800" spc="-1" strike="noStrike">
+            <a:endParaRPr b="0" lang="es-ES" sz="1800" spc="-1" strike="noStrike">
               <a:latin typeface="Arial"/>
             </a:endParaRPr>
           </a:p>
@@ -2885,12 +2885,12 @@
               <a:buChar char=""/>
             </a:pPr>
             <a:r>
-              <a:rPr b="0" lang="es-ES" sz="2400" spc="-1" strike="noStrike">
+              <a:rPr b="0" lang="es-ES" sz="1800" spc="-1" strike="noStrike">
                 <a:latin typeface="Arial"/>
               </a:rPr>
               <a:t>Tercer nivel del esquema</a:t>
             </a:r>
-            <a:endParaRPr b="0" lang="es-ES" sz="2400" spc="-1" strike="noStrike">
+            <a:endParaRPr b="0" lang="es-ES" sz="1800" spc="-1" strike="noStrike">
               <a:latin typeface="Arial"/>
             </a:endParaRPr>
           </a:p>
@@ -2907,12 +2907,12 @@
               <a:buChar char=""/>
             </a:pPr>
             <a:r>
-              <a:rPr b="0" lang="es-ES" sz="2000" spc="-1" strike="noStrike">
+              <a:rPr b="0" lang="es-ES" sz="1800" spc="-1" strike="noStrike">
                 <a:latin typeface="Arial"/>
               </a:rPr>
               <a:t>Cuarto nivel del esquema</a:t>
             </a:r>
-            <a:endParaRPr b="0" lang="es-ES" sz="2000" spc="-1" strike="noStrike">
+            <a:endParaRPr b="0" lang="es-ES" sz="1800" spc="-1" strike="noStrike">
               <a:latin typeface="Arial"/>
             </a:endParaRPr>
           </a:p>
@@ -2929,12 +2929,12 @@
               <a:buChar char=""/>
             </a:pPr>
             <a:r>
-              <a:rPr b="0" lang="es-ES" sz="2000" spc="-1" strike="noStrike">
+              <a:rPr b="0" lang="es-ES" sz="1800" spc="-1" strike="noStrike">
                 <a:latin typeface="Arial"/>
               </a:rPr>
               <a:t>Quinto nivel del esquema</a:t>
             </a:r>
-            <a:endParaRPr b="0" lang="es-ES" sz="2000" spc="-1" strike="noStrike">
+            <a:endParaRPr b="0" lang="es-ES" sz="1800" spc="-1" strike="noStrike">
               <a:latin typeface="Arial"/>
             </a:endParaRPr>
           </a:p>
@@ -2951,12 +2951,12 @@
               <a:buChar char=""/>
             </a:pPr>
             <a:r>
-              <a:rPr b="0" lang="es-ES" sz="2000" spc="-1" strike="noStrike">
+              <a:rPr b="0" lang="es-ES" sz="1800" spc="-1" strike="noStrike">
                 <a:latin typeface="Arial"/>
               </a:rPr>
               <a:t>Sexto nivel del esquema</a:t>
             </a:r>
-            <a:endParaRPr b="0" lang="es-ES" sz="2000" spc="-1" strike="noStrike">
+            <a:endParaRPr b="0" lang="es-ES" sz="1800" spc="-1" strike="noStrike">
               <a:latin typeface="Arial"/>
             </a:endParaRPr>
           </a:p>
@@ -2973,12 +2973,12 @@
               <a:buChar char=""/>
             </a:pPr>
             <a:r>
-              <a:rPr b="0" lang="es-ES" sz="2000" spc="-1" strike="noStrike">
+              <a:rPr b="0" lang="es-ES" sz="1800" spc="-1" strike="noStrike">
                 <a:latin typeface="Arial"/>
               </a:rPr>
               <a:t>Séptimo nivel del esquema</a:t>
             </a:r>
-            <a:endParaRPr b="0" lang="es-ES" sz="2000" spc="-1" strike="noStrike">
+            <a:endParaRPr b="0" lang="es-ES" sz="1800" spc="-1" strike="noStrike">
               <a:latin typeface="Arial"/>
             </a:endParaRPr>
           </a:p>
@@ -3293,7 +3293,7 @@
         <p:spPr>
           <a:xfrm>
             <a:off x="1296000" y="120600"/>
-            <a:ext cx="8228880" cy="1607040"/>
+            <a:ext cx="8228520" cy="1606680"/>
           </a:xfrm>
           <a:prstGeom prst="rect">
             <a:avLst/>
@@ -3325,6 +3325,7 @@
                   <a:srgbClr val="e6e9cb"/>
                 </a:solidFill>
                 <a:latin typeface="Rockwell"/>
+                <a:ea typeface="DejaVu Sans"/>
               </a:rPr>
               <a:t>BitBucket &amp; SourceTree.</a:t>
             </a:r>
@@ -3343,7 +3344,7 @@
         <p:spPr>
           <a:xfrm>
             <a:off x="287280" y="2736360"/>
-            <a:ext cx="8640360" cy="1439280"/>
+            <a:ext cx="8640000" cy="1438920"/>
           </a:xfrm>
           <a:prstGeom prst="rect">
             <a:avLst/>
@@ -3375,6 +3376,7 @@
                   <a:srgbClr val="ffffff"/>
                 </a:solidFill>
                 <a:latin typeface="Rockwell"/>
+                <a:ea typeface="DejaVu Sans"/>
               </a:rPr>
               <a:t>Free source code hosting</a:t>
             </a:r>
@@ -3385,6 +3387,7 @@
                   <a:srgbClr val="ffffff"/>
                 </a:solidFill>
                 <a:latin typeface="Rockwell"/>
+                <a:ea typeface="DejaVu Sans"/>
               </a:rPr>
               <a:t>(Servicio gratuito de alojamiento de código)</a:t>
             </a:r>
@@ -3403,7 +3406,7 @@
         <p:spPr>
           <a:xfrm>
             <a:off x="791640" y="5256000"/>
-            <a:ext cx="5400000" cy="431280"/>
+            <a:ext cx="5399640" cy="430920"/>
           </a:xfrm>
           <a:prstGeom prst="rect">
             <a:avLst/>
@@ -3487,7 +3490,7 @@
         <p:spPr>
           <a:xfrm>
             <a:off x="1152000" y="504000"/>
-            <a:ext cx="6932880" cy="1223640"/>
+            <a:ext cx="6932520" cy="1223280"/>
           </a:xfrm>
           <a:prstGeom prst="rect">
             <a:avLst/>
@@ -3519,6 +3522,7 @@
                   <a:srgbClr val="e6e9cb"/>
                 </a:solidFill>
                 <a:latin typeface="Rockwell"/>
+                <a:ea typeface="DejaVu Sans"/>
               </a:rPr>
               <a:t>Seleccionamos un </a:t>
             </a:r>
@@ -3529,6 +3533,7 @@
                   <a:srgbClr val="e6e9cb"/>
                 </a:solidFill>
                 <a:latin typeface="Rockwell"/>
+                <a:ea typeface="DejaVu Sans"/>
               </a:rPr>
               <a:t>proyecto existente</a:t>
             </a:r>
@@ -3551,7 +3556,7 @@
         <p:spPr>
           <a:xfrm>
             <a:off x="201240" y="2304000"/>
-            <a:ext cx="8753400" cy="2591640"/>
+            <a:ext cx="8753040" cy="2591280"/>
           </a:xfrm>
           <a:prstGeom prst="rect">
             <a:avLst/>
@@ -3600,7 +3605,7 @@
         <p:spPr>
           <a:xfrm>
             <a:off x="1177200" y="380160"/>
-            <a:ext cx="4726440" cy="1311480"/>
+            <a:ext cx="4726080" cy="1311120"/>
           </a:xfrm>
           <a:prstGeom prst="rect">
             <a:avLst/>
@@ -3632,6 +3637,7 @@
                   <a:srgbClr val="e6e9cb"/>
                 </a:solidFill>
                 <a:latin typeface="Rockwell"/>
+                <a:ea typeface="DejaVu Sans"/>
               </a:rPr>
               <a:t>Seleccionamos el </a:t>
             </a:r>
@@ -3642,6 +3648,7 @@
                   <a:srgbClr val="e6e9cb"/>
                 </a:solidFill>
                 <a:latin typeface="Rockwell"/>
+                <a:ea typeface="DejaVu Sans"/>
               </a:rPr>
               <a:t>Repositorio</a:t>
             </a:r>
@@ -3664,7 +3671,7 @@
         <p:spPr>
           <a:xfrm>
             <a:off x="878760" y="2152080"/>
-            <a:ext cx="7391160" cy="3590640"/>
+            <a:ext cx="7390800" cy="3590280"/>
           </a:xfrm>
           <a:prstGeom prst="rect">
             <a:avLst/>
@@ -3713,7 +3720,7 @@
         <p:spPr>
           <a:xfrm>
             <a:off x="1130760" y="360000"/>
-            <a:ext cx="6932880" cy="1428120"/>
+            <a:ext cx="6932520" cy="1427760"/>
           </a:xfrm>
           <a:prstGeom prst="rect">
             <a:avLst/>
@@ -3745,6 +3752,7 @@
                   <a:srgbClr val="e6e9cb"/>
                 </a:solidFill>
                 <a:latin typeface="Rockwell"/>
+                <a:ea typeface="DejaVu Sans"/>
               </a:rPr>
               <a:t>Bajamos el código </a:t>
             </a:r>
@@ -3755,6 +3763,7 @@
                   <a:srgbClr val="e6e9cb"/>
                 </a:solidFill>
                 <a:latin typeface="Rockwell"/>
+                <a:ea typeface="DejaVu Sans"/>
               </a:rPr>
               <a:t>(Clonamos el repositorio)</a:t>
             </a:r>
@@ -3777,7 +3786,7 @@
         <p:spPr>
           <a:xfrm>
             <a:off x="144000" y="2448000"/>
-            <a:ext cx="8820000" cy="3599640"/>
+            <a:ext cx="8819640" cy="3599280"/>
           </a:xfrm>
           <a:prstGeom prst="rect">
             <a:avLst/>
@@ -3826,7 +3835,7 @@
         <p:spPr>
           <a:xfrm>
             <a:off x="4464000" y="792000"/>
-            <a:ext cx="3095640" cy="891000"/>
+            <a:ext cx="3095280" cy="890640"/>
           </a:xfrm>
           <a:prstGeom prst="roundRect">
             <a:avLst>
@@ -3866,7 +3875,7 @@
         <p:spPr>
           <a:xfrm>
             <a:off x="1296000" y="5544360"/>
-            <a:ext cx="3417840" cy="719280"/>
+            <a:ext cx="3417480" cy="718920"/>
           </a:xfrm>
           <a:prstGeom prst="rect">
             <a:avLst/>
@@ -3885,7 +3894,7 @@
         <p:spPr>
           <a:xfrm>
             <a:off x="410760" y="2773440"/>
-            <a:ext cx="8228880" cy="1042200"/>
+            <a:ext cx="8228520" cy="1041840"/>
           </a:xfrm>
           <a:prstGeom prst="rect">
             <a:avLst/>
@@ -3917,6 +3926,7 @@
                   <a:srgbClr val="e6e9cb"/>
                 </a:solidFill>
                 <a:latin typeface="Rockwell"/>
+                <a:ea typeface="DejaVu Sans"/>
               </a:rPr>
               <a:t>Clonar Repositorios en Source Tree </a:t>
             </a:r>
@@ -3965,7 +3975,7 @@
         <p:spPr>
           <a:xfrm>
             <a:off x="1152000" y="288000"/>
-            <a:ext cx="8228880" cy="1142280"/>
+            <a:ext cx="8228520" cy="1141920"/>
           </a:xfrm>
           <a:prstGeom prst="rect">
             <a:avLst/>
@@ -3997,6 +4007,7 @@
                   <a:srgbClr val="e6e9cb"/>
                 </a:solidFill>
                 <a:latin typeface="Rockwell"/>
+                <a:ea typeface="DejaVu Sans"/>
               </a:rPr>
               <a:t>Buscar y Clonar repositorios </a:t>
             </a:r>
@@ -4007,6 +4018,7 @@
                   <a:srgbClr val="e6e9cb"/>
                 </a:solidFill>
                 <a:latin typeface="Rockwell"/>
+                <a:ea typeface="DejaVu Sans"/>
               </a:rPr>
               <a:t>de BitBucket en  </a:t>
             </a:r>
@@ -4016,6 +4028,7 @@
                   <a:srgbClr val="ffff00"/>
                 </a:solidFill>
                 <a:latin typeface="Rockwell"/>
+                <a:ea typeface="DejaVu Sans"/>
               </a:rPr>
               <a:t>Source Tree</a:t>
             </a:r>
@@ -4038,7 +4051,7 @@
         <p:spPr>
           <a:xfrm>
             <a:off x="1341360" y="1800000"/>
-            <a:ext cx="6362280" cy="4600080"/>
+            <a:ext cx="6361920" cy="4599720"/>
           </a:xfrm>
           <a:prstGeom prst="rect">
             <a:avLst/>
@@ -4087,7 +4100,7 @@
         <p:spPr>
           <a:xfrm>
             <a:off x="1152000" y="288000"/>
-            <a:ext cx="8228880" cy="1142280"/>
+            <a:ext cx="8228520" cy="1141920"/>
           </a:xfrm>
           <a:prstGeom prst="rect">
             <a:avLst/>
@@ -4119,6 +4132,7 @@
                   <a:srgbClr val="e6e9cb"/>
                 </a:solidFill>
                 <a:latin typeface="Rockwell"/>
+                <a:ea typeface="DejaVu Sans"/>
               </a:rPr>
               <a:t>Buscar y Clonar repositorios </a:t>
             </a:r>
@@ -4129,6 +4143,7 @@
                   <a:srgbClr val="e6e9cb"/>
                 </a:solidFill>
                 <a:latin typeface="Rockwell"/>
+                <a:ea typeface="DejaVu Sans"/>
               </a:rPr>
               <a:t>de BitBucket en  </a:t>
             </a:r>
@@ -4138,6 +4153,7 @@
                   <a:srgbClr val="ffff00"/>
                 </a:solidFill>
                 <a:latin typeface="Rockwell"/>
+                <a:ea typeface="DejaVu Sans"/>
               </a:rPr>
               <a:t>Source Tree </a:t>
             </a:r>
@@ -4147,6 +4163,7 @@
                   <a:srgbClr val="e6e9cb"/>
                 </a:solidFill>
                 <a:latin typeface="Rockwell"/>
+                <a:ea typeface="DejaVu Sans"/>
               </a:rPr>
               <a:t>#2</a:t>
             </a:r>
@@ -4169,7 +4186,7 @@
         <p:spPr>
           <a:xfrm>
             <a:off x="1068840" y="1707840"/>
-            <a:ext cx="6947640" cy="4843800"/>
+            <a:ext cx="6947280" cy="4843440"/>
           </a:xfrm>
           <a:prstGeom prst="rect">
             <a:avLst/>
@@ -4218,7 +4235,7 @@
         <p:spPr>
           <a:xfrm>
             <a:off x="1152000" y="288000"/>
-            <a:ext cx="8228880" cy="1142280"/>
+            <a:ext cx="8228520" cy="1141920"/>
           </a:xfrm>
           <a:prstGeom prst="rect">
             <a:avLst/>
@@ -4250,6 +4267,7 @@
                   <a:srgbClr val="e6e9cb"/>
                 </a:solidFill>
                 <a:latin typeface="Rockwell"/>
+                <a:ea typeface="DejaVu Sans"/>
               </a:rPr>
               <a:t>Buscar repositorios </a:t>
             </a:r>
@@ -4260,6 +4278,7 @@
                   <a:srgbClr val="e6e9cb"/>
                 </a:solidFill>
                 <a:latin typeface="Rockwell"/>
+                <a:ea typeface="DejaVu Sans"/>
               </a:rPr>
               <a:t>de otros sitios en  </a:t>
             </a:r>
@@ -4269,6 +4288,7 @@
                   <a:srgbClr val="ffff00"/>
                 </a:solidFill>
                 <a:latin typeface="Rockwell"/>
+                <a:ea typeface="DejaVu Sans"/>
               </a:rPr>
               <a:t>Source Tree</a:t>
             </a:r>
@@ -4291,7 +4311,7 @@
         <p:spPr>
           <a:xfrm>
             <a:off x="1512000" y="1512000"/>
-            <a:ext cx="6248160" cy="5295600"/>
+            <a:ext cx="6247800" cy="5295240"/>
           </a:xfrm>
           <a:prstGeom prst="rect">
             <a:avLst/>
@@ -4340,7 +4360,7 @@
         <p:spPr>
           <a:xfrm>
             <a:off x="1130760" y="576000"/>
-            <a:ext cx="8228880" cy="1142280"/>
+            <a:ext cx="8228520" cy="1141920"/>
           </a:xfrm>
           <a:prstGeom prst="rect">
             <a:avLst/>
@@ -4372,6 +4392,7 @@
                   <a:srgbClr val="e6e9cb"/>
                 </a:solidFill>
                 <a:latin typeface="Rockwell"/>
+                <a:ea typeface="DejaVu Sans"/>
               </a:rPr>
               <a:t>Como bajar la ultima versión </a:t>
             </a:r>
@@ -4382,6 +4403,7 @@
                   <a:srgbClr val="e6e9cb"/>
                 </a:solidFill>
                 <a:latin typeface="Rockwell"/>
+                <a:ea typeface="DejaVu Sans"/>
               </a:rPr>
               <a:t>del código en Source Tree</a:t>
             </a:r>
@@ -4404,7 +4426,7 @@
         <p:spPr>
           <a:xfrm>
             <a:off x="-28800" y="2372400"/>
-            <a:ext cx="9172440" cy="3027240"/>
+            <a:ext cx="9172080" cy="3026880"/>
           </a:xfrm>
           <a:prstGeom prst="rect">
             <a:avLst/>
@@ -4453,7 +4475,7 @@
         <p:spPr>
           <a:xfrm>
             <a:off x="0" y="404640"/>
-            <a:ext cx="9143280" cy="951120"/>
+            <a:ext cx="9142920" cy="950760"/>
           </a:xfrm>
           <a:prstGeom prst="rect">
             <a:avLst/>
@@ -4485,6 +4507,7 @@
                   <a:srgbClr val="e6e9cb"/>
                 </a:solidFill>
                 <a:latin typeface="Rockwell"/>
+                <a:ea typeface="DejaVu Sans"/>
               </a:rPr>
               <a:t>Como subir nuestros </a:t>
             </a:r>
@@ -4495,6 +4518,7 @@
                   <a:srgbClr val="e6e9cb"/>
                 </a:solidFill>
                 <a:latin typeface="Rockwell"/>
+                <a:ea typeface="DejaVu Sans"/>
               </a:rPr>
               <a:t>cambios al repositorio</a:t>
             </a:r>
@@ -4513,7 +4537,7 @@
         <p:spPr>
           <a:xfrm>
             <a:off x="2219760" y="6094080"/>
-            <a:ext cx="2819880" cy="637560"/>
+            <a:ext cx="2819520" cy="637200"/>
           </a:xfrm>
           <a:prstGeom prst="rect">
             <a:avLst/>
@@ -4593,7 +4617,7 @@
         <p:spPr>
           <a:xfrm>
             <a:off x="216000" y="1620000"/>
-            <a:ext cx="8756640" cy="4356720"/>
+            <a:ext cx="8756280" cy="4356360"/>
           </a:xfrm>
           <a:prstGeom prst="rect">
             <a:avLst/>
@@ -4642,7 +4666,7 @@
         <p:spPr>
           <a:xfrm>
             <a:off x="4464000" y="792000"/>
-            <a:ext cx="3095640" cy="891000"/>
+            <a:ext cx="3095280" cy="890640"/>
           </a:xfrm>
           <a:prstGeom prst="roundRect">
             <a:avLst>
@@ -4682,7 +4706,7 @@
         <p:spPr>
           <a:xfrm>
             <a:off x="1296000" y="5544360"/>
-            <a:ext cx="3417840" cy="719280"/>
+            <a:ext cx="3417480" cy="718920"/>
           </a:xfrm>
           <a:prstGeom prst="rect">
             <a:avLst/>
@@ -4701,7 +4725,7 @@
         <p:spPr>
           <a:xfrm>
             <a:off x="410760" y="2773440"/>
-            <a:ext cx="8228880" cy="1042200"/>
+            <a:ext cx="8228520" cy="1041840"/>
           </a:xfrm>
           <a:prstGeom prst="rect">
             <a:avLst/>
@@ -4733,6 +4757,7 @@
                   <a:srgbClr val="e6e9cb"/>
                 </a:solidFill>
                 <a:latin typeface="Rockwell"/>
+                <a:ea typeface="DejaVu Sans"/>
               </a:rPr>
               <a:t>Crear Equipos, Proyectos y Repositorios en Bitbucket </a:t>
             </a:r>
@@ -4781,7 +4806,7 @@
         <p:spPr>
           <a:xfrm>
             <a:off x="1152000" y="81360"/>
-            <a:ext cx="7631640" cy="1142280"/>
+            <a:ext cx="7631280" cy="1141920"/>
           </a:xfrm>
           <a:prstGeom prst="rect">
             <a:avLst/>
@@ -4813,6 +4838,7 @@
                   <a:srgbClr val="e6e9cb"/>
                 </a:solidFill>
                 <a:latin typeface="Rockwell"/>
+                <a:ea typeface="DejaVu Sans"/>
               </a:rPr>
               <a:t>Creamos un nuevo Equipo</a:t>
             </a:r>
@@ -4835,7 +4861,7 @@
         <p:spPr>
           <a:xfrm>
             <a:off x="697320" y="2016000"/>
-            <a:ext cx="7510320" cy="4198680"/>
+            <a:ext cx="7509960" cy="4198320"/>
           </a:xfrm>
           <a:prstGeom prst="rect">
             <a:avLst/>
@@ -4884,7 +4910,7 @@
         <p:spPr>
           <a:xfrm>
             <a:off x="1271520" y="448200"/>
-            <a:ext cx="6062760" cy="1142280"/>
+            <a:ext cx="6062400" cy="1141920"/>
           </a:xfrm>
           <a:prstGeom prst="rect">
             <a:avLst/>
@@ -4905,17 +4931,13 @@
             <a:noAutofit/>
           </a:bodyPr>
           <a:p>
-            <a:pPr>
-              <a:lnSpc>
-                <a:spcPct val="100000"/>
-              </a:lnSpc>
-            </a:pPr>
             <a:r>
               <a:rPr b="0" lang="es-ES" sz="4400" spc="-1" strike="noStrike">
                 <a:solidFill>
                   <a:srgbClr val="e6e9cb"/>
                 </a:solidFill>
                 <a:latin typeface="Rockwell"/>
+                <a:ea typeface="DejaVu Sans"/>
               </a:rPr>
               <a:t>Creamos</a:t>
             </a:r>
@@ -4925,6 +4947,7 @@
                   <a:srgbClr val="e6e9cb"/>
                 </a:solidFill>
                 <a:latin typeface="Rockwell"/>
+                <a:ea typeface="DejaVu Sans"/>
               </a:rPr>
               <a:t> un nuevo </a:t>
             </a:r>
@@ -4935,6 +4958,7 @@
                   <a:srgbClr val="e6e9cb"/>
                 </a:solidFill>
                 <a:latin typeface="Rockwell"/>
+                <a:ea typeface="DejaVu Sans"/>
               </a:rPr>
               <a:t>Equipo #2</a:t>
             </a:r>
@@ -4957,7 +4981,7 @@
         <p:spPr>
           <a:xfrm>
             <a:off x="1968480" y="1878120"/>
-            <a:ext cx="5399640" cy="4457520"/>
+            <a:ext cx="5399280" cy="4457160"/>
           </a:xfrm>
           <a:prstGeom prst="rect">
             <a:avLst/>
@@ -5006,7 +5030,7 @@
         <p:spPr>
           <a:xfrm>
             <a:off x="0" y="0"/>
-            <a:ext cx="8228880" cy="1142280"/>
+            <a:ext cx="8228520" cy="1141920"/>
           </a:xfrm>
           <a:prstGeom prst="rect">
             <a:avLst/>
@@ -5038,6 +5062,7 @@
                   <a:srgbClr val="e6e9cb"/>
                 </a:solidFill>
                 <a:latin typeface="Rockwell"/>
+                <a:ea typeface="DejaVu Sans"/>
               </a:rPr>
               <a:t>Creamos un proyecto</a:t>
             </a:r>
@@ -5060,7 +5085,7 @@
         <p:spPr>
           <a:xfrm>
             <a:off x="841320" y="1813320"/>
-            <a:ext cx="7574040" cy="4234320"/>
+            <a:ext cx="7573680" cy="4233960"/>
           </a:xfrm>
           <a:prstGeom prst="rect">
             <a:avLst/>
@@ -5109,7 +5134,7 @@
         <p:spPr>
           <a:xfrm>
             <a:off x="360000" y="0"/>
-            <a:ext cx="8228880" cy="1142280"/>
+            <a:ext cx="8228520" cy="1141920"/>
           </a:xfrm>
           <a:prstGeom prst="rect">
             <a:avLst/>
@@ -5141,6 +5166,7 @@
                   <a:srgbClr val="e6e9cb"/>
                 </a:solidFill>
                 <a:latin typeface="Rockwell"/>
+                <a:ea typeface="DejaVu Sans"/>
               </a:rPr>
               <a:t>Creamos un proyecto #2</a:t>
             </a:r>
@@ -5163,7 +5189,7 @@
         <p:spPr>
           <a:xfrm>
             <a:off x="2116080" y="1476000"/>
-            <a:ext cx="5011560" cy="5111640"/>
+            <a:ext cx="5011200" cy="5111280"/>
           </a:xfrm>
           <a:prstGeom prst="rect">
             <a:avLst/>
@@ -5212,7 +5238,7 @@
         <p:spPr>
           <a:xfrm>
             <a:off x="1224000" y="360000"/>
-            <a:ext cx="6119640" cy="1142280"/>
+            <a:ext cx="6119280" cy="1141920"/>
           </a:xfrm>
           <a:prstGeom prst="rect">
             <a:avLst/>
@@ -5233,17 +5259,13 @@
             <a:normAutofit fontScale="15000"/>
           </a:bodyPr>
           <a:p>
-            <a:pPr marL="54720">
-              <a:lnSpc>
-                <a:spcPct val="100000"/>
-              </a:lnSpc>
-            </a:pPr>
             <a:r>
               <a:rPr b="0" lang="es-ES" sz="8000" spc="-1" strike="noStrike">
                 <a:solidFill>
                   <a:srgbClr val="e6e9cb"/>
                 </a:solidFill>
                 <a:latin typeface="Rockwell"/>
+                <a:ea typeface="DejaVu Sans"/>
               </a:rPr>
               <a:t>Creamos un nuevo </a:t>
             </a:r>
@@ -5254,6 +5276,7 @@
                   <a:srgbClr val="e6e9cb"/>
                 </a:solidFill>
                 <a:latin typeface="Rockwell"/>
+                <a:ea typeface="DejaVu Sans"/>
               </a:rPr>
               <a:t>repositorio</a:t>
             </a:r>
@@ -5276,7 +5299,7 @@
         <p:spPr>
           <a:xfrm>
             <a:off x="727200" y="1872000"/>
-            <a:ext cx="7984440" cy="4463640"/>
+            <a:ext cx="7984080" cy="4463280"/>
           </a:xfrm>
           <a:prstGeom prst="rect">
             <a:avLst/>
@@ -5325,7 +5348,7 @@
         <p:spPr>
           <a:xfrm>
             <a:off x="1224000" y="288000"/>
-            <a:ext cx="5327640" cy="1358280"/>
+            <a:ext cx="5327280" cy="1357920"/>
           </a:xfrm>
           <a:prstGeom prst="rect">
             <a:avLst/>
@@ -5343,7 +5366,7 @@
         </p:style>
         <p:txBody>
           <a:bodyPr lIns="90000" rIns="90000" tIns="45000" bIns="45000" anchor="b">
-            <a:normAutofit fontScale="66000"/>
+            <a:normAutofit fontScale="67000"/>
           </a:bodyPr>
           <a:p>
             <a:pPr marL="54720">
@@ -5357,6 +5380,7 @@
                   <a:srgbClr val="e6e9cb"/>
                 </a:solidFill>
                 <a:latin typeface="Rockwell"/>
+                <a:ea typeface="DejaVu Sans"/>
               </a:rPr>
               <a:t>Creamos un nuevo </a:t>
             </a:r>
@@ -5367,6 +5391,7 @@
                   <a:srgbClr val="e6e9cb"/>
                 </a:solidFill>
                 <a:latin typeface="Rockwell"/>
+                <a:ea typeface="DejaVu Sans"/>
               </a:rPr>
               <a:t>repositorio #2</a:t>
             </a:r>
@@ -5389,7 +5414,7 @@
         <p:spPr>
           <a:xfrm>
             <a:off x="1759680" y="2160000"/>
-            <a:ext cx="5727960" cy="4172040"/>
+            <a:ext cx="5727600" cy="4171680"/>
           </a:xfrm>
           <a:prstGeom prst="rect">
             <a:avLst/>
@@ -5438,7 +5463,7 @@
         <p:spPr>
           <a:xfrm>
             <a:off x="4464000" y="792000"/>
-            <a:ext cx="3095640" cy="891000"/>
+            <a:ext cx="3095280" cy="890640"/>
           </a:xfrm>
           <a:prstGeom prst="roundRect">
             <a:avLst>
@@ -5474,7 +5499,7 @@
         <p:spPr>
           <a:xfrm>
             <a:off x="410760" y="2448000"/>
-            <a:ext cx="8228880" cy="1367640"/>
+            <a:ext cx="8228520" cy="1367280"/>
           </a:xfrm>
           <a:prstGeom prst="rect">
             <a:avLst/>
@@ -5506,6 +5531,7 @@
                   <a:srgbClr val="e6e9cb"/>
                 </a:solidFill>
                 <a:latin typeface="Rockwell"/>
+                <a:ea typeface="DejaVu Sans"/>
               </a:rPr>
               <a:t>Buscar y Clonar Repositorios en Bitbucket </a:t>
             </a:r>
@@ -5528,7 +5554,7 @@
         <p:spPr>
           <a:xfrm>
             <a:off x="1296360" y="5544720"/>
-            <a:ext cx="3417840" cy="719280"/>
+            <a:ext cx="3417480" cy="718920"/>
           </a:xfrm>
           <a:prstGeom prst="rect">
             <a:avLst/>

--- a/BitBucket & SourceTree.pptx
+++ b/BitBucket & SourceTree.pptx
@@ -5237,8 +5237,8 @@
         </p:nvSpPr>
         <p:spPr>
           <a:xfrm>
-            <a:off x="1224000" y="360000"/>
-            <a:ext cx="6119280" cy="1141920"/>
+            <a:off x="1224000" y="144000"/>
+            <a:ext cx="6120000" cy="1357920"/>
           </a:xfrm>
           <a:prstGeom prst="rect">
             <a:avLst/>
@@ -5256,7 +5256,7 @@
         </p:style>
         <p:txBody>
           <a:bodyPr lIns="90000" rIns="90000" tIns="45000" bIns="45000" anchor="b">
-            <a:normAutofit fontScale="15000"/>
+            <a:normAutofit fontScale="20000"/>
           </a:bodyPr>
           <a:p>
             <a:r>
